--- a/pics/rtmri.pptx
+++ b/pics/rtmri.pptx
@@ -104,6 +104,11 @@
       </a:defRPr>
     </a:lvl9pPr>
   </p:defaultTextStyle>
+  <p:extLst>
+    <p:ext uri="{EFAFB233-063F-42B5-8137-9DF3F51BA10A}">
+      <p15:sldGuideLst xmlns:p15="http://schemas.microsoft.com/office/powerpoint/2012/main"/>
+    </p:ext>
+  </p:extLst>
 </p:presentation>
 </file>
 
@@ -238,7 +243,7 @@
           <a:p>
             <a:fld id="{274036C9-3BEF-3949-9B6E-82DA5F7D7BDE}" type="datetimeFigureOut">
               <a:rPr kumimoji="1" lang="zh-TW" altLang="en-US" smtClean="0"/>
-              <a:t>2025/8/22</a:t>
+              <a:t>2025/8/23</a:t>
             </a:fld>
             <a:endParaRPr kumimoji="1" lang="zh-TW" altLang="en-US"/>
           </a:p>
@@ -408,7 +413,7 @@
           <a:p>
             <a:fld id="{274036C9-3BEF-3949-9B6E-82DA5F7D7BDE}" type="datetimeFigureOut">
               <a:rPr kumimoji="1" lang="zh-TW" altLang="en-US" smtClean="0"/>
-              <a:t>2025/8/22</a:t>
+              <a:t>2025/8/23</a:t>
             </a:fld>
             <a:endParaRPr kumimoji="1" lang="zh-TW" altLang="en-US"/>
           </a:p>
@@ -588,7 +593,7 @@
           <a:p>
             <a:fld id="{274036C9-3BEF-3949-9B6E-82DA5F7D7BDE}" type="datetimeFigureOut">
               <a:rPr kumimoji="1" lang="zh-TW" altLang="en-US" smtClean="0"/>
-              <a:t>2025/8/22</a:t>
+              <a:t>2025/8/23</a:t>
             </a:fld>
             <a:endParaRPr kumimoji="1" lang="zh-TW" altLang="en-US"/>
           </a:p>
@@ -758,7 +763,7 @@
           <a:p>
             <a:fld id="{274036C9-3BEF-3949-9B6E-82DA5F7D7BDE}" type="datetimeFigureOut">
               <a:rPr kumimoji="1" lang="zh-TW" altLang="en-US" smtClean="0"/>
-              <a:t>2025/8/22</a:t>
+              <a:t>2025/8/23</a:t>
             </a:fld>
             <a:endParaRPr kumimoji="1" lang="zh-TW" altLang="en-US"/>
           </a:p>
@@ -1004,7 +1009,7 @@
           <a:p>
             <a:fld id="{274036C9-3BEF-3949-9B6E-82DA5F7D7BDE}" type="datetimeFigureOut">
               <a:rPr kumimoji="1" lang="zh-TW" altLang="en-US" smtClean="0"/>
-              <a:t>2025/8/22</a:t>
+              <a:t>2025/8/23</a:t>
             </a:fld>
             <a:endParaRPr kumimoji="1" lang="zh-TW" altLang="en-US"/>
           </a:p>
@@ -1236,7 +1241,7 @@
           <a:p>
             <a:fld id="{274036C9-3BEF-3949-9B6E-82DA5F7D7BDE}" type="datetimeFigureOut">
               <a:rPr kumimoji="1" lang="zh-TW" altLang="en-US" smtClean="0"/>
-              <a:t>2025/8/22</a:t>
+              <a:t>2025/8/23</a:t>
             </a:fld>
             <a:endParaRPr kumimoji="1" lang="zh-TW" altLang="en-US"/>
           </a:p>
@@ -1603,7 +1608,7 @@
           <a:p>
             <a:fld id="{274036C9-3BEF-3949-9B6E-82DA5F7D7BDE}" type="datetimeFigureOut">
               <a:rPr kumimoji="1" lang="zh-TW" altLang="en-US" smtClean="0"/>
-              <a:t>2025/8/22</a:t>
+              <a:t>2025/8/23</a:t>
             </a:fld>
             <a:endParaRPr kumimoji="1" lang="zh-TW" altLang="en-US"/>
           </a:p>
@@ -1721,7 +1726,7 @@
           <a:p>
             <a:fld id="{274036C9-3BEF-3949-9B6E-82DA5F7D7BDE}" type="datetimeFigureOut">
               <a:rPr kumimoji="1" lang="zh-TW" altLang="en-US" smtClean="0"/>
-              <a:t>2025/8/22</a:t>
+              <a:t>2025/8/23</a:t>
             </a:fld>
             <a:endParaRPr kumimoji="1" lang="zh-TW" altLang="en-US"/>
           </a:p>
@@ -1816,7 +1821,7 @@
           <a:p>
             <a:fld id="{274036C9-3BEF-3949-9B6E-82DA5F7D7BDE}" type="datetimeFigureOut">
               <a:rPr kumimoji="1" lang="zh-TW" altLang="en-US" smtClean="0"/>
-              <a:t>2025/8/22</a:t>
+              <a:t>2025/8/23</a:t>
             </a:fld>
             <a:endParaRPr kumimoji="1" lang="zh-TW" altLang="en-US"/>
           </a:p>
@@ -2093,7 +2098,7 @@
           <a:p>
             <a:fld id="{274036C9-3BEF-3949-9B6E-82DA5F7D7BDE}" type="datetimeFigureOut">
               <a:rPr kumimoji="1" lang="zh-TW" altLang="en-US" smtClean="0"/>
-              <a:t>2025/8/22</a:t>
+              <a:t>2025/8/23</a:t>
             </a:fld>
             <a:endParaRPr kumimoji="1" lang="zh-TW" altLang="en-US"/>
           </a:p>
@@ -2350,7 +2355,7 @@
           <a:p>
             <a:fld id="{274036C9-3BEF-3949-9B6E-82DA5F7D7BDE}" type="datetimeFigureOut">
               <a:rPr kumimoji="1" lang="zh-TW" altLang="en-US" smtClean="0"/>
-              <a:t>2025/8/22</a:t>
+              <a:t>2025/8/23</a:t>
             </a:fld>
             <a:endParaRPr kumimoji="1" lang="zh-TW" altLang="en-US"/>
           </a:p>
@@ -2563,7 +2568,7 @@
           <a:p>
             <a:fld id="{274036C9-3BEF-3949-9B6E-82DA5F7D7BDE}" type="datetimeFigureOut">
               <a:rPr kumimoji="1" lang="zh-TW" altLang="en-US" smtClean="0"/>
-              <a:t>2025/8/22</a:t>
+              <a:t>2025/8/23</a:t>
             </a:fld>
             <a:endParaRPr kumimoji="1" lang="zh-TW" altLang="en-US"/>
           </a:p>
@@ -2990,7 +2995,7 @@
         </p:blipFill>
         <p:spPr>
           <a:xfrm>
-            <a:off x="1557814" y="81062"/>
+            <a:off x="1557810" y="81059"/>
             <a:ext cx="5082979" cy="3490045"/>
           </a:xfrm>
           <a:prstGeom prst="rect">
@@ -3020,8 +3025,8 @@
         </p:blipFill>
         <p:spPr>
           <a:xfrm>
-            <a:off x="1557810" y="691978"/>
-            <a:ext cx="1726060" cy="2553802"/>
+            <a:off x="1557810" y="499621"/>
+            <a:ext cx="1574273" cy="2746159"/>
           </a:xfrm>
           <a:prstGeom prst="rect">
             <a:avLst/>
@@ -3050,7 +3055,7 @@
         </p:blipFill>
         <p:spPr>
           <a:xfrm>
-            <a:off x="228600" y="3620216"/>
+            <a:off x="228600" y="3591935"/>
             <a:ext cx="7772400" cy="3237784"/>
           </a:xfrm>
           <a:prstGeom prst="rect">
